--- a/LectureSlides/03Parsing.pptx
+++ b/LectureSlides/03Parsing.pptx
@@ -404,7 +404,7 @@
           <a:p>
             <a:fld id="{DF0DA02A-3D36-4521-B995-F6A931B35345}" type="datetimeFigureOut">
               <a:rPr lang="en-US" smtClean="0"/>
-              <a:t>8/15/2023</a:t>
+              <a:t>9/1/2023</a:t>
             </a:fld>
             <a:endParaRPr lang="en-US"/>
           </a:p>
@@ -612,7 +612,7 @@
           <a:p>
             <a:fld id="{DF0DA02A-3D36-4521-B995-F6A931B35345}" type="datetimeFigureOut">
               <a:rPr lang="en-US" smtClean="0"/>
-              <a:t>8/15/2023</a:t>
+              <a:t>9/1/2023</a:t>
             </a:fld>
             <a:endParaRPr lang="en-US"/>
           </a:p>
@@ -868,7 +868,7 @@
           <a:p>
             <a:fld id="{DF0DA02A-3D36-4521-B995-F6A931B35345}" type="datetimeFigureOut">
               <a:rPr lang="en-US" smtClean="0"/>
-              <a:t>8/15/2023</a:t>
+              <a:t>9/1/2023</a:t>
             </a:fld>
             <a:endParaRPr lang="en-US"/>
           </a:p>
@@ -1053,7 +1053,7 @@
           <a:p>
             <a:fld id="{DF0DA02A-3D36-4521-B995-F6A931B35345}" type="datetimeFigureOut">
               <a:rPr lang="en-US" smtClean="0"/>
-              <a:t>8/15/2023</a:t>
+              <a:t>9/1/2023</a:t>
             </a:fld>
             <a:endParaRPr lang="en-US"/>
           </a:p>
@@ -1396,7 +1396,7 @@
           <a:p>
             <a:fld id="{DF0DA02A-3D36-4521-B995-F6A931B35345}" type="datetimeFigureOut">
               <a:rPr lang="en-US" smtClean="0"/>
-              <a:t>8/15/2023</a:t>
+              <a:t>9/1/2023</a:t>
             </a:fld>
             <a:endParaRPr lang="en-US"/>
           </a:p>
@@ -1701,7 +1701,7 @@
           <a:p>
             <a:fld id="{DF0DA02A-3D36-4521-B995-F6A931B35345}" type="datetimeFigureOut">
               <a:rPr lang="en-US" smtClean="0"/>
-              <a:t>8/15/2023</a:t>
+              <a:t>9/1/2023</a:t>
             </a:fld>
             <a:endParaRPr lang="en-US"/>
           </a:p>
@@ -2110,7 +2110,7 @@
           <a:p>
             <a:fld id="{DF0DA02A-3D36-4521-B995-F6A931B35345}" type="datetimeFigureOut">
               <a:rPr lang="en-US" smtClean="0"/>
-              <a:t>8/15/2023</a:t>
+              <a:t>9/1/2023</a:t>
             </a:fld>
             <a:endParaRPr lang="en-US"/>
           </a:p>
@@ -2228,7 +2228,7 @@
           <a:p>
             <a:fld id="{DF0DA02A-3D36-4521-B995-F6A931B35345}" type="datetimeFigureOut">
               <a:rPr lang="en-US" smtClean="0"/>
-              <a:t>8/15/2023</a:t>
+              <a:t>9/1/2023</a:t>
             </a:fld>
             <a:endParaRPr lang="en-US"/>
           </a:p>
@@ -2399,7 +2399,7 @@
           <a:p>
             <a:fld id="{DF0DA02A-3D36-4521-B995-F6A931B35345}" type="datetimeFigureOut">
               <a:rPr lang="en-US" smtClean="0"/>
-              <a:t>8/15/2023</a:t>
+              <a:t>9/1/2023</a:t>
             </a:fld>
             <a:endParaRPr lang="en-US"/>
           </a:p>
@@ -2768,7 +2768,7 @@
           <a:p>
             <a:fld id="{DF0DA02A-3D36-4521-B995-F6A931B35345}" type="datetimeFigureOut">
               <a:rPr lang="en-US" smtClean="0"/>
-              <a:t>8/15/2023</a:t>
+              <a:t>9/1/2023</a:t>
             </a:fld>
             <a:endParaRPr lang="en-US"/>
           </a:p>
@@ -3145,7 +3145,7 @@
           <a:p>
             <a:fld id="{DF0DA02A-3D36-4521-B995-F6A931B35345}" type="datetimeFigureOut">
               <a:rPr lang="en-US" smtClean="0"/>
-              <a:t>8/15/2023</a:t>
+              <a:t>9/1/2023</a:t>
             </a:fld>
             <a:endParaRPr lang="en-US"/>
           </a:p>
@@ -3432,7 +3432,7 @@
           <a:p>
             <a:fld id="{DF0DA02A-3D36-4521-B995-F6A931B35345}" type="datetimeFigureOut">
               <a:rPr lang="en-US" smtClean="0"/>
-              <a:t>8/15/2023</a:t>
+              <a:t>9/1/2023</a:t>
             </a:fld>
             <a:endParaRPr lang="en-US"/>
           </a:p>
@@ -6903,7 +6903,7 @@
             <a:pPr lvl="1"/>
             <a:r>
               <a:rPr lang="en-US" dirty="0"/>
-              <a:t>Semicolon: r1r2 matches RE r1, then r2. e.g. ‘if’ matches “if”</a:t>
+              <a:t>Sequence: r1r2 matches RE r1, then r2. e.g. ‘if’ matches “if”</a:t>
             </a:r>
           </a:p>
           <a:p>
@@ -8754,13 +8754,13 @@
               <a:rPr lang="en-US" dirty="0" err="1">
                 <a:latin typeface="Consolas" panose="020B0609020204030204" pitchFamily="49" charset="0"/>
               </a:rPr>
-              <a:t>r"^d</a:t>
+              <a:t>r"d</a:t>
             </a:r>
             <a:r>
               <a:rPr lang="en-US" dirty="0">
                 <a:latin typeface="Consolas" panose="020B0609020204030204" pitchFamily="49" charset="0"/>
               </a:rPr>
-              <a:t>{4}-d{2}-d{2}$").unwrap();</a:t>
+              <a:t>{4}-d{2}-d{2}").unwrap();</a:t>
             </a:r>
           </a:p>
         </p:txBody>
@@ -15895,7 +15895,7 @@
             </a:br>
             <a:r>
               <a:rPr lang="en-US" dirty="0"/>
-              <a:t>P = {(S, “”), (S, “SS”), (S, “()”))</a:t>
+              <a:t>P = {(S, “”), (S, “SS”), (S, “(S)”))</a:t>
             </a:r>
           </a:p>
           <a:p>
@@ -16145,7 +16145,7 @@
             </a:br>
             <a:r>
               <a:rPr lang="en-US" sz="2800" dirty="0"/>
-              <a:t>P = {(S, “”), (S, “SS”), (S, “()”))</a:t>
+              <a:t>P = {(S, “”), (S, “SS”), (S, “(S)”))</a:t>
             </a:r>
           </a:p>
           <a:p>
@@ -16299,7 +16299,7 @@
             <a:pPr lvl="1"/>
             <a:r>
               <a:rPr lang="en-US" sz="2800" dirty="0"/>
-              <a:t>P = S → “”, S → “SS”, S → “()”</a:t>
+              <a:t>P = S → “”, S → “SS”, S → “(S)”</a:t>
             </a:r>
           </a:p>
           <a:p>
@@ -16467,7 +16467,7 @@
             </a:br>
             <a:r>
               <a:rPr lang="en-US" sz="2800" dirty="0"/>
-              <a:t>S → “”, S → “SS”, S → “()”</a:t>
+              <a:t>S → “”, S → “SS”, S → “(S)”</a:t>
             </a:r>
           </a:p>
         </p:txBody>
@@ -16635,7 +16635,7 @@
             </a:br>
             <a:r>
               <a:rPr lang="en-US" sz="2800" dirty="0"/>
-              <a:t>S → “” | “SS” | “()”</a:t>
+              <a:t>S → “” | “SS” | “(S)”</a:t>
             </a:r>
           </a:p>
           <a:p>
@@ -16814,7 +16814,7 @@
             </a:br>
             <a:r>
               <a:rPr lang="en-US" sz="2800" dirty="0"/>
-              <a:t>S → “” | “SS” | “()”</a:t>
+              <a:t>S → “” | “SS” | “(S)”</a:t>
             </a:r>
           </a:p>
           <a:p>
@@ -18731,7 +18731,7 @@
             </a:r>
             <a:r>
               <a:rPr lang="en-US" sz="2800" dirty="0"/>
-              <a:t>                    →</a:t>
+              <a:t>                              →</a:t>
             </a:r>
             <a:br>
               <a:rPr lang="en-US" sz="2800" dirty="0"/>
@@ -18913,7 +18913,7 @@
             </a:r>
             <a:r>
               <a:rPr lang="en-US" sz="2800" dirty="0"/>
-              <a:t>                    → </a:t>
+              <a:t>                              → </a:t>
             </a:r>
             <a:r>
               <a:rPr lang="en-US" sz="2800" b="1" dirty="0"/>
@@ -19325,7 +19325,7 @@
             </a:r>
             <a:r>
               <a:rPr lang="en-US" sz="2800" dirty="0"/>
-              <a:t>                    → </a:t>
+              <a:t>                              → </a:t>
             </a:r>
             <a:r>
               <a:rPr lang="en-US" sz="2800" b="1" dirty="0"/>
@@ -19344,7 +19344,7 @@
             </a:r>
             <a:r>
               <a:rPr lang="en-US" sz="2800" dirty="0"/>
-              <a:t>op S           → </a:t>
+              <a:t>op S                     → </a:t>
             </a:r>
             <a:r>
               <a:rPr lang="en-US" sz="2800" b="1" dirty="0"/>
@@ -19979,7 +19979,7 @@
             </a:r>
             <a:r>
               <a:rPr lang="en-US" sz="2800" dirty="0"/>
-              <a:t>                    → </a:t>
+              <a:t>                              → </a:t>
             </a:r>
             <a:r>
               <a:rPr lang="en-US" sz="2800" b="1" dirty="0"/>
@@ -19998,7 +19998,7 @@
             </a:r>
             <a:r>
               <a:rPr lang="en-US" sz="2800" dirty="0"/>
-              <a:t>op S           → </a:t>
+              <a:t>op S                     → </a:t>
             </a:r>
             <a:r>
               <a:rPr lang="en-US" sz="2800" b="1" dirty="0"/>
@@ -20021,11 +20021,11 @@
             </a:r>
             <a:r>
               <a:rPr lang="en-US" sz="2800" dirty="0"/>
-              <a:t>op S op S  → </a:t>
+              <a:t>op S op S             → </a:t>
             </a:r>
             <a:r>
               <a:rPr lang="en-US" sz="2800" b="1" dirty="0"/>
-              <a:t>N</a:t>
+              <a:t>num</a:t>
             </a:r>
             <a:r>
               <a:rPr lang="en-US" sz="2800" dirty="0"/>
@@ -20304,7 +20304,7 @@
         <p:spPr>
           <a:xfrm>
             <a:off x="7344487" y="4691738"/>
-            <a:ext cx="501969" cy="523220"/>
+            <a:ext cx="912259" cy="523220"/>
           </a:xfrm>
           <a:prstGeom prst="rect">
             <a:avLst/>
@@ -20319,7 +20319,7 @@
           <a:p>
             <a:r>
               <a:rPr lang="en-US" sz="2800" dirty="0"/>
-              <a:t>N</a:t>
+              <a:t>num</a:t>
             </a:r>
           </a:p>
         </p:txBody>
@@ -20727,7 +20727,7 @@
             </a:r>
             <a:r>
               <a:rPr lang="en-US" sz="2800" dirty="0"/>
-              <a:t>                    → </a:t>
+              <a:t>                              → </a:t>
             </a:r>
             <a:r>
               <a:rPr lang="en-US" sz="2800" b="1" dirty="0"/>
@@ -20746,7 +20746,7 @@
             </a:r>
             <a:r>
               <a:rPr lang="en-US" sz="2800" dirty="0"/>
-              <a:t>op S           → </a:t>
+              <a:t>op S                     → </a:t>
             </a:r>
             <a:r>
               <a:rPr lang="en-US" sz="2800" b="1" dirty="0"/>
@@ -20769,11 +20769,11 @@
             </a:r>
             <a:r>
               <a:rPr lang="en-US" sz="2800" dirty="0"/>
-              <a:t>op S op S  → </a:t>
+              <a:t>op S op S             → </a:t>
             </a:r>
             <a:r>
               <a:rPr lang="en-US" sz="2800" b="1" dirty="0"/>
-              <a:t>N</a:t>
+              <a:t>num</a:t>
             </a:r>
             <a:r>
               <a:rPr lang="en-US" sz="2800" dirty="0"/>
@@ -20784,7 +20784,7 @@
             </a:br>
             <a:r>
               <a:rPr lang="en-US" sz="2800" dirty="0"/>
-              <a:t>N op </a:t>
+              <a:t>num op </a:t>
             </a:r>
             <a:r>
               <a:rPr lang="en-US" sz="2800" b="1" dirty="0"/>
@@ -20792,11 +20792,11 @@
             </a:r>
             <a:r>
               <a:rPr lang="en-US" sz="2800" dirty="0"/>
-              <a:t> op S  → N op </a:t>
+              <a:t> op S       → N op </a:t>
             </a:r>
             <a:r>
               <a:rPr lang="en-US" sz="2800" b="1" dirty="0"/>
-              <a:t>N</a:t>
+              <a:t>num</a:t>
             </a:r>
             <a:r>
               <a:rPr lang="en-US" sz="2800" dirty="0"/>
@@ -21072,7 +21072,7 @@
         <p:spPr>
           <a:xfrm>
             <a:off x="7344487" y="4691738"/>
-            <a:ext cx="501969" cy="523220"/>
+            <a:ext cx="1241983" cy="523220"/>
           </a:xfrm>
           <a:prstGeom prst="rect">
             <a:avLst/>
@@ -21087,7 +21087,7 @@
           <a:p>
             <a:r>
               <a:rPr lang="en-US" sz="2800" dirty="0"/>
-              <a:t>N</a:t>
+              <a:t>num</a:t>
             </a:r>
           </a:p>
         </p:txBody>
@@ -21107,7 +21107,7 @@
         <p:spPr>
           <a:xfrm>
             <a:off x="8965406" y="4709349"/>
-            <a:ext cx="501969" cy="523220"/>
+            <a:ext cx="1128554" cy="523220"/>
           </a:xfrm>
           <a:prstGeom prst="rect">
             <a:avLst/>
@@ -21122,7 +21122,7 @@
           <a:p>
             <a:r>
               <a:rPr lang="en-US" sz="2800" dirty="0"/>
-              <a:t>N</a:t>
+              <a:t>num</a:t>
             </a:r>
           </a:p>
         </p:txBody>
@@ -21569,7 +21569,7 @@
             </a:r>
             <a:r>
               <a:rPr lang="en-US" sz="2800" dirty="0"/>
-              <a:t>                    → </a:t>
+              <a:t>                              → </a:t>
             </a:r>
             <a:r>
               <a:rPr lang="en-US" sz="2800" b="1" dirty="0"/>
@@ -21588,7 +21588,7 @@
             </a:r>
             <a:r>
               <a:rPr lang="en-US" sz="2800" dirty="0"/>
-              <a:t>op S           → </a:t>
+              <a:t>op S                     → </a:t>
             </a:r>
             <a:r>
               <a:rPr lang="en-US" sz="2800" b="1" dirty="0"/>
@@ -21611,11 +21611,11 @@
             </a:r>
             <a:r>
               <a:rPr lang="en-US" sz="2800" dirty="0"/>
-              <a:t>op S op S  → </a:t>
+              <a:t>op S op S             → </a:t>
             </a:r>
             <a:r>
               <a:rPr lang="en-US" sz="2800" b="1" dirty="0"/>
-              <a:t>N</a:t>
+              <a:t>num</a:t>
             </a:r>
             <a:r>
               <a:rPr lang="en-US" sz="2800" dirty="0"/>
@@ -21626,7 +21626,7 @@
             </a:br>
             <a:r>
               <a:rPr lang="en-US" sz="2800" dirty="0"/>
-              <a:t>N op </a:t>
+              <a:t>num op </a:t>
             </a:r>
             <a:r>
               <a:rPr lang="en-US" sz="2800" b="1" dirty="0"/>
@@ -21634,11 +21634,11 @@
             </a:r>
             <a:r>
               <a:rPr lang="en-US" sz="2800" dirty="0"/>
-              <a:t> op S  → N op </a:t>
+              <a:t> op S       → num op </a:t>
             </a:r>
             <a:r>
               <a:rPr lang="en-US" sz="2800" b="1" dirty="0"/>
-              <a:t>N</a:t>
+              <a:t>num</a:t>
             </a:r>
             <a:r>
               <a:rPr lang="en-US" sz="2800" dirty="0"/>
@@ -21649,7 +21649,7 @@
             </a:br>
             <a:r>
               <a:rPr lang="en-US" sz="2800" dirty="0"/>
-              <a:t>N op N op </a:t>
+              <a:t>num op num op </a:t>
             </a:r>
             <a:r>
               <a:rPr lang="en-US" sz="2800" b="1" dirty="0"/>
@@ -21657,11 +21657,11 @@
             </a:r>
             <a:r>
               <a:rPr lang="en-US" sz="2800" dirty="0"/>
-              <a:t> → N op N op </a:t>
+              <a:t> → num op num op </a:t>
             </a:r>
             <a:r>
               <a:rPr lang="en-US" sz="2800" b="1" dirty="0"/>
-              <a:t>I</a:t>
+              <a:t>id</a:t>
             </a:r>
             <a:br>
               <a:rPr lang="en-US" sz="2800" b="1" dirty="0"/>
@@ -21930,7 +21930,7 @@
         <p:spPr>
           <a:xfrm>
             <a:off x="7344487" y="4691738"/>
-            <a:ext cx="501969" cy="523220"/>
+            <a:ext cx="1205152" cy="523220"/>
           </a:xfrm>
           <a:prstGeom prst="rect">
             <a:avLst/>
@@ -21945,7 +21945,7 @@
           <a:p>
             <a:r>
               <a:rPr lang="en-US" sz="2800" dirty="0"/>
-              <a:t>N</a:t>
+              <a:t>num</a:t>
             </a:r>
           </a:p>
         </p:txBody>
@@ -21965,7 +21965,7 @@
         <p:spPr>
           <a:xfrm>
             <a:off x="8965406" y="4709349"/>
-            <a:ext cx="501969" cy="523220"/>
+            <a:ext cx="1391377" cy="523220"/>
           </a:xfrm>
           <a:prstGeom prst="rect">
             <a:avLst/>
@@ -21980,7 +21980,7 @@
           <a:p>
             <a:r>
               <a:rPr lang="en-US" sz="2800" dirty="0"/>
-              <a:t>N</a:t>
+              <a:t>num</a:t>
             </a:r>
           </a:p>
         </p:txBody>
@@ -22501,7 +22501,7 @@
             </a:r>
             <a:r>
               <a:rPr lang="en-US" sz="2800" dirty="0"/>
-              <a:t>                    → </a:t>
+              <a:t>                              → </a:t>
             </a:r>
             <a:r>
               <a:rPr lang="en-US" sz="2800" b="1" dirty="0"/>
@@ -22520,7 +22520,7 @@
             </a:r>
             <a:r>
               <a:rPr lang="en-US" sz="2800" dirty="0"/>
-              <a:t>op S           → </a:t>
+              <a:t>op S                     → </a:t>
             </a:r>
             <a:r>
               <a:rPr lang="en-US" sz="2800" b="1" dirty="0"/>
@@ -22543,7 +22543,7 @@
             </a:r>
             <a:r>
               <a:rPr lang="en-US" sz="2800" dirty="0"/>
-              <a:t>op S op S  → </a:t>
+              <a:t>op S op S             → </a:t>
             </a:r>
             <a:r>
               <a:rPr lang="en-US" sz="2800" b="1" dirty="0"/>
@@ -22558,7 +22558,7 @@
             </a:br>
             <a:r>
               <a:rPr lang="en-US" sz="2800" dirty="0"/>
-              <a:t>N op </a:t>
+              <a:t>num op </a:t>
             </a:r>
             <a:r>
               <a:rPr lang="en-US" sz="2800" b="1" dirty="0"/>
@@ -22566,11 +22566,11 @@
             </a:r>
             <a:r>
               <a:rPr lang="en-US" sz="2800" dirty="0"/>
-              <a:t> op S  → N op </a:t>
+              <a:t> op S       → num op </a:t>
             </a:r>
             <a:r>
               <a:rPr lang="en-US" sz="2800" b="1" dirty="0"/>
-              <a:t>N</a:t>
+              <a:t>num</a:t>
             </a:r>
             <a:r>
               <a:rPr lang="en-US" sz="2800" dirty="0"/>
@@ -22581,7 +22581,7 @@
             </a:br>
             <a:r>
               <a:rPr lang="en-US" sz="2800" dirty="0"/>
-              <a:t>N op N op </a:t>
+              <a:t>num op num op </a:t>
             </a:r>
             <a:r>
               <a:rPr lang="en-US" sz="2800" b="1" dirty="0"/>
@@ -22589,11 +22589,11 @@
             </a:r>
             <a:r>
               <a:rPr lang="en-US" sz="2800" dirty="0"/>
-              <a:t> → N op N op </a:t>
+              <a:t> → num op num op </a:t>
             </a:r>
             <a:r>
               <a:rPr lang="en-US" sz="2800" b="1" dirty="0"/>
-              <a:t>I</a:t>
+              <a:t>id</a:t>
             </a:r>
             <a:br>
               <a:rPr lang="en-US" sz="2800" b="1" dirty="0"/>
@@ -22862,7 +22862,7 @@
         <p:spPr>
           <a:xfrm>
             <a:off x="7344487" y="4691738"/>
-            <a:ext cx="501969" cy="523220"/>
+            <a:ext cx="912258" cy="523220"/>
           </a:xfrm>
           <a:prstGeom prst="rect">
             <a:avLst/>
@@ -22877,7 +22877,7 @@
           <a:p>
             <a:r>
               <a:rPr lang="en-US" sz="2800" dirty="0"/>
-              <a:t>N</a:t>
+              <a:t>num</a:t>
             </a:r>
           </a:p>
         </p:txBody>
@@ -22897,7 +22897,7 @@
         <p:spPr>
           <a:xfrm>
             <a:off x="8965406" y="4709349"/>
-            <a:ext cx="501969" cy="523220"/>
+            <a:ext cx="951865" cy="523220"/>
           </a:xfrm>
           <a:prstGeom prst="rect">
             <a:avLst/>
@@ -22912,7 +22912,7 @@
           <a:p>
             <a:r>
               <a:rPr lang="en-US" sz="2800" dirty="0"/>
-              <a:t>N</a:t>
+              <a:t>num</a:t>
             </a:r>
           </a:p>
         </p:txBody>
@@ -22932,7 +22932,7 @@
         <p:spPr>
           <a:xfrm>
             <a:off x="10820286" y="4030575"/>
-            <a:ext cx="274434" cy="523220"/>
+            <a:ext cx="524624" cy="523220"/>
           </a:xfrm>
           <a:prstGeom prst="rect">
             <a:avLst/>
@@ -22940,14 +22940,14 @@
           <a:noFill/>
         </p:spPr>
         <p:txBody>
-          <a:bodyPr wrap="none" rtlCol="0">
+          <a:bodyPr wrap="square" rtlCol="0">
             <a:spAutoFit/>
           </a:bodyPr>
           <a:lstStyle/>
           <a:p>
             <a:r>
               <a:rPr lang="en-US" sz="2800" dirty="0"/>
-              <a:t>I</a:t>
+              <a:t>id</a:t>
             </a:r>
           </a:p>
         </p:txBody>
@@ -23161,9 +23161,9 @@
           <p:nvPr/>
         </p:nvCxnSpPr>
         <p:spPr>
-          <a:xfrm flipH="1" flipV="1">
-            <a:off x="10957503" y="4553795"/>
-            <a:ext cx="79908" cy="973880"/>
+          <a:xfrm flipV="1">
+            <a:off x="11037411" y="4553795"/>
+            <a:ext cx="45187" cy="973880"/>
           </a:xfrm>
           <a:prstGeom prst="line">
             <a:avLst/>
@@ -23666,7 +23666,7 @@
             </a:r>
             <a:r>
               <a:rPr lang="en-US" sz="2800" dirty="0"/>
-              <a:t>                    → </a:t>
+              <a:t>                              → </a:t>
             </a:r>
             <a:r>
               <a:rPr lang="en-US" sz="2800" b="1" dirty="0"/>
@@ -23685,7 +23685,7 @@
             </a:r>
             <a:r>
               <a:rPr lang="en-US" sz="2800" dirty="0"/>
-              <a:t>op S           → </a:t>
+              <a:t>op S                     → </a:t>
             </a:r>
             <a:r>
               <a:rPr lang="en-US" sz="2800" b="1" dirty="0"/>
@@ -23708,11 +23708,11 @@
             </a:r>
             <a:r>
               <a:rPr lang="en-US" sz="2800" dirty="0"/>
-              <a:t>op S op S  → </a:t>
+              <a:t>op S op S             → </a:t>
             </a:r>
             <a:r>
               <a:rPr lang="en-US" sz="2800" b="1" dirty="0"/>
-              <a:t>N</a:t>
+              <a:t>num</a:t>
             </a:r>
             <a:r>
               <a:rPr lang="en-US" sz="2800" dirty="0"/>
@@ -23723,7 +23723,7 @@
             </a:br>
             <a:r>
               <a:rPr lang="en-US" sz="2800" dirty="0"/>
-              <a:t>N op </a:t>
+              <a:t>num op </a:t>
             </a:r>
             <a:r>
               <a:rPr lang="en-US" sz="2800" b="1" dirty="0"/>
@@ -23731,11 +23731,11 @@
             </a:r>
             <a:r>
               <a:rPr lang="en-US" sz="2800" dirty="0"/>
-              <a:t> op S  → N op </a:t>
+              <a:t> op S       → num op </a:t>
             </a:r>
             <a:r>
               <a:rPr lang="en-US" sz="2800" b="1" dirty="0"/>
-              <a:t>N</a:t>
+              <a:t>num</a:t>
             </a:r>
             <a:r>
               <a:rPr lang="en-US" sz="2800" dirty="0"/>
@@ -23746,7 +23746,7 @@
             </a:br>
             <a:r>
               <a:rPr lang="en-US" sz="2800" dirty="0"/>
-              <a:t>N op N op </a:t>
+              <a:t>num op num op </a:t>
             </a:r>
             <a:r>
               <a:rPr lang="en-US" sz="2800" b="1" dirty="0"/>
@@ -23754,11 +23754,11 @@
             </a:r>
             <a:r>
               <a:rPr lang="en-US" sz="2800" dirty="0"/>
-              <a:t> → N op N op </a:t>
+              <a:t> → num op num op </a:t>
             </a:r>
             <a:r>
               <a:rPr lang="en-US" sz="2800" b="1" dirty="0"/>
-              <a:t>I</a:t>
+              <a:t>id</a:t>
             </a:r>
             <a:br>
               <a:rPr lang="en-US" sz="2800" b="1" dirty="0"/>
@@ -24027,7 +24027,7 @@
         <p:spPr>
           <a:xfrm>
             <a:off x="7344487" y="4691738"/>
-            <a:ext cx="501969" cy="523220"/>
+            <a:ext cx="876540" cy="523220"/>
           </a:xfrm>
           <a:prstGeom prst="rect">
             <a:avLst/>
@@ -24042,7 +24042,7 @@
           <a:p>
             <a:r>
               <a:rPr lang="en-US" sz="2800" dirty="0"/>
-              <a:t>N</a:t>
+              <a:t>num</a:t>
             </a:r>
           </a:p>
         </p:txBody>
@@ -24061,8 +24061,8 @@
         </p:nvSpPr>
         <p:spPr>
           <a:xfrm>
-            <a:off x="8965406" y="4709349"/>
-            <a:ext cx="501969" cy="523220"/>
+            <a:off x="8965405" y="4709349"/>
+            <a:ext cx="1020387" cy="523220"/>
           </a:xfrm>
           <a:prstGeom prst="rect">
             <a:avLst/>
@@ -24077,7 +24077,7 @@
           <a:p>
             <a:r>
               <a:rPr lang="en-US" sz="2800" dirty="0"/>
-              <a:t>N</a:t>
+              <a:t>num</a:t>
             </a:r>
           </a:p>
         </p:txBody>
@@ -24097,7 +24097,7 @@
         <p:spPr>
           <a:xfrm>
             <a:off x="10820286" y="4030575"/>
-            <a:ext cx="274434" cy="523220"/>
+            <a:ext cx="455574" cy="523220"/>
           </a:xfrm>
           <a:prstGeom prst="rect">
             <a:avLst/>
@@ -24112,7 +24112,7 @@
           <a:p>
             <a:r>
               <a:rPr lang="en-US" sz="2800" dirty="0"/>
-              <a:t>I</a:t>
+              <a:t>id</a:t>
             </a:r>
           </a:p>
         </p:txBody>
@@ -24326,9 +24326,9 @@
           <p:nvPr/>
         </p:nvCxnSpPr>
         <p:spPr>
-          <a:xfrm flipH="1" flipV="1">
-            <a:off x="10957503" y="4553795"/>
-            <a:ext cx="79908" cy="973880"/>
+          <a:xfrm flipV="1">
+            <a:off x="11037411" y="4553795"/>
+            <a:ext cx="10662" cy="973880"/>
           </a:xfrm>
           <a:prstGeom prst="line">
             <a:avLst/>
@@ -27677,7 +27677,7 @@
             </a:pPr>
             <a:r>
               <a:rPr lang="en-US" dirty="0"/>
-              <a:t>“Fruit fries like a banana”</a:t>
+              <a:t>“Fruit flies like a banana”</a:t>
             </a:r>
           </a:p>
           <a:p>

--- a/LectureSlides/03Parsing.pptx
+++ b/LectureSlides/03Parsing.pptx
@@ -404,7 +404,7 @@
           <a:p>
             <a:fld id="{DF0DA02A-3D36-4521-B995-F6A931B35345}" type="datetimeFigureOut">
               <a:rPr lang="en-US" smtClean="0"/>
-              <a:t>9/1/2023</a:t>
+              <a:t>9/11/2023</a:t>
             </a:fld>
             <a:endParaRPr lang="en-US"/>
           </a:p>
@@ -612,7 +612,7 @@
           <a:p>
             <a:fld id="{DF0DA02A-3D36-4521-B995-F6A931B35345}" type="datetimeFigureOut">
               <a:rPr lang="en-US" smtClean="0"/>
-              <a:t>9/1/2023</a:t>
+              <a:t>9/11/2023</a:t>
             </a:fld>
             <a:endParaRPr lang="en-US"/>
           </a:p>
@@ -868,7 +868,7 @@
           <a:p>
             <a:fld id="{DF0DA02A-3D36-4521-B995-F6A931B35345}" type="datetimeFigureOut">
               <a:rPr lang="en-US" smtClean="0"/>
-              <a:t>9/1/2023</a:t>
+              <a:t>9/11/2023</a:t>
             </a:fld>
             <a:endParaRPr lang="en-US"/>
           </a:p>
@@ -1053,7 +1053,7 @@
           <a:p>
             <a:fld id="{DF0DA02A-3D36-4521-B995-F6A931B35345}" type="datetimeFigureOut">
               <a:rPr lang="en-US" smtClean="0"/>
-              <a:t>9/1/2023</a:t>
+              <a:t>9/11/2023</a:t>
             </a:fld>
             <a:endParaRPr lang="en-US"/>
           </a:p>
@@ -1396,7 +1396,7 @@
           <a:p>
             <a:fld id="{DF0DA02A-3D36-4521-B995-F6A931B35345}" type="datetimeFigureOut">
               <a:rPr lang="en-US" smtClean="0"/>
-              <a:t>9/1/2023</a:t>
+              <a:t>9/11/2023</a:t>
             </a:fld>
             <a:endParaRPr lang="en-US"/>
           </a:p>
@@ -1701,7 +1701,7 @@
           <a:p>
             <a:fld id="{DF0DA02A-3D36-4521-B995-F6A931B35345}" type="datetimeFigureOut">
               <a:rPr lang="en-US" smtClean="0"/>
-              <a:t>9/1/2023</a:t>
+              <a:t>9/11/2023</a:t>
             </a:fld>
             <a:endParaRPr lang="en-US"/>
           </a:p>
@@ -2110,7 +2110,7 @@
           <a:p>
             <a:fld id="{DF0DA02A-3D36-4521-B995-F6A931B35345}" type="datetimeFigureOut">
               <a:rPr lang="en-US" smtClean="0"/>
-              <a:t>9/1/2023</a:t>
+              <a:t>9/11/2023</a:t>
             </a:fld>
             <a:endParaRPr lang="en-US"/>
           </a:p>
@@ -2228,7 +2228,7 @@
           <a:p>
             <a:fld id="{DF0DA02A-3D36-4521-B995-F6A931B35345}" type="datetimeFigureOut">
               <a:rPr lang="en-US" smtClean="0"/>
-              <a:t>9/1/2023</a:t>
+              <a:t>9/11/2023</a:t>
             </a:fld>
             <a:endParaRPr lang="en-US"/>
           </a:p>
@@ -2399,7 +2399,7 @@
           <a:p>
             <a:fld id="{DF0DA02A-3D36-4521-B995-F6A931B35345}" type="datetimeFigureOut">
               <a:rPr lang="en-US" smtClean="0"/>
-              <a:t>9/1/2023</a:t>
+              <a:t>9/11/2023</a:t>
             </a:fld>
             <a:endParaRPr lang="en-US"/>
           </a:p>
@@ -2768,7 +2768,7 @@
           <a:p>
             <a:fld id="{DF0DA02A-3D36-4521-B995-F6A931B35345}" type="datetimeFigureOut">
               <a:rPr lang="en-US" smtClean="0"/>
-              <a:t>9/1/2023</a:t>
+              <a:t>9/11/2023</a:t>
             </a:fld>
             <a:endParaRPr lang="en-US"/>
           </a:p>
@@ -3145,7 +3145,7 @@
           <a:p>
             <a:fld id="{DF0DA02A-3D36-4521-B995-F6A931B35345}" type="datetimeFigureOut">
               <a:rPr lang="en-US" smtClean="0"/>
-              <a:t>9/1/2023</a:t>
+              <a:t>9/11/2023</a:t>
             </a:fld>
             <a:endParaRPr lang="en-US"/>
           </a:p>
@@ -3432,7 +3432,7 @@
           <a:p>
             <a:fld id="{DF0DA02A-3D36-4521-B995-F6A931B35345}" type="datetimeFigureOut">
               <a:rPr lang="en-US" smtClean="0"/>
-              <a:t>9/1/2023</a:t>
+              <a:t>9/11/2023</a:t>
             </a:fld>
             <a:endParaRPr lang="en-US"/>
           </a:p>
@@ -22547,7 +22547,7 @@
             </a:r>
             <a:r>
               <a:rPr lang="en-US" sz="2800" b="1" dirty="0"/>
-              <a:t>N</a:t>
+              <a:t>num</a:t>
             </a:r>
             <a:r>
               <a:rPr lang="en-US" sz="2800" dirty="0"/>

--- a/LectureSlides/03Parsing.pptx
+++ b/LectureSlides/03Parsing.pptx
@@ -404,7 +404,7 @@
           <a:p>
             <a:fld id="{DF0DA02A-3D36-4521-B995-F6A931B35345}" type="datetimeFigureOut">
               <a:rPr lang="en-US" smtClean="0"/>
-              <a:t>9/11/2023</a:t>
+              <a:t>9/13/2023</a:t>
             </a:fld>
             <a:endParaRPr lang="en-US"/>
           </a:p>
@@ -612,7 +612,7 @@
           <a:p>
             <a:fld id="{DF0DA02A-3D36-4521-B995-F6A931B35345}" type="datetimeFigureOut">
               <a:rPr lang="en-US" smtClean="0"/>
-              <a:t>9/11/2023</a:t>
+              <a:t>9/13/2023</a:t>
             </a:fld>
             <a:endParaRPr lang="en-US"/>
           </a:p>
@@ -868,7 +868,7 @@
           <a:p>
             <a:fld id="{DF0DA02A-3D36-4521-B995-F6A931B35345}" type="datetimeFigureOut">
               <a:rPr lang="en-US" smtClean="0"/>
-              <a:t>9/11/2023</a:t>
+              <a:t>9/13/2023</a:t>
             </a:fld>
             <a:endParaRPr lang="en-US"/>
           </a:p>
@@ -1053,7 +1053,7 @@
           <a:p>
             <a:fld id="{DF0DA02A-3D36-4521-B995-F6A931B35345}" type="datetimeFigureOut">
               <a:rPr lang="en-US" smtClean="0"/>
-              <a:t>9/11/2023</a:t>
+              <a:t>9/13/2023</a:t>
             </a:fld>
             <a:endParaRPr lang="en-US"/>
           </a:p>
@@ -1396,7 +1396,7 @@
           <a:p>
             <a:fld id="{DF0DA02A-3D36-4521-B995-F6A931B35345}" type="datetimeFigureOut">
               <a:rPr lang="en-US" smtClean="0"/>
-              <a:t>9/11/2023</a:t>
+              <a:t>9/13/2023</a:t>
             </a:fld>
             <a:endParaRPr lang="en-US"/>
           </a:p>
@@ -1701,7 +1701,7 @@
           <a:p>
             <a:fld id="{DF0DA02A-3D36-4521-B995-F6A931B35345}" type="datetimeFigureOut">
               <a:rPr lang="en-US" smtClean="0"/>
-              <a:t>9/11/2023</a:t>
+              <a:t>9/13/2023</a:t>
             </a:fld>
             <a:endParaRPr lang="en-US"/>
           </a:p>
@@ -2110,7 +2110,7 @@
           <a:p>
             <a:fld id="{DF0DA02A-3D36-4521-B995-F6A931B35345}" type="datetimeFigureOut">
               <a:rPr lang="en-US" smtClean="0"/>
-              <a:t>9/11/2023</a:t>
+              <a:t>9/13/2023</a:t>
             </a:fld>
             <a:endParaRPr lang="en-US"/>
           </a:p>
@@ -2228,7 +2228,7 @@
           <a:p>
             <a:fld id="{DF0DA02A-3D36-4521-B995-F6A931B35345}" type="datetimeFigureOut">
               <a:rPr lang="en-US" smtClean="0"/>
-              <a:t>9/11/2023</a:t>
+              <a:t>9/13/2023</a:t>
             </a:fld>
             <a:endParaRPr lang="en-US"/>
           </a:p>
@@ -2399,7 +2399,7 @@
           <a:p>
             <a:fld id="{DF0DA02A-3D36-4521-B995-F6A931B35345}" type="datetimeFigureOut">
               <a:rPr lang="en-US" smtClean="0"/>
-              <a:t>9/11/2023</a:t>
+              <a:t>9/13/2023</a:t>
             </a:fld>
             <a:endParaRPr lang="en-US"/>
           </a:p>
@@ -2768,7 +2768,7 @@
           <a:p>
             <a:fld id="{DF0DA02A-3D36-4521-B995-F6A931B35345}" type="datetimeFigureOut">
               <a:rPr lang="en-US" smtClean="0"/>
-              <a:t>9/11/2023</a:t>
+              <a:t>9/13/2023</a:t>
             </a:fld>
             <a:endParaRPr lang="en-US"/>
           </a:p>
@@ -3145,7 +3145,7 @@
           <a:p>
             <a:fld id="{DF0DA02A-3D36-4521-B995-F6A931B35345}" type="datetimeFigureOut">
               <a:rPr lang="en-US" smtClean="0"/>
-              <a:t>9/11/2023</a:t>
+              <a:t>9/13/2023</a:t>
             </a:fld>
             <a:endParaRPr lang="en-US"/>
           </a:p>
@@ -3432,7 +3432,7 @@
           <a:p>
             <a:fld id="{DF0DA02A-3D36-4521-B995-F6A931B35345}" type="datetimeFigureOut">
               <a:rPr lang="en-US" smtClean="0"/>
-              <a:t>9/11/2023</a:t>
+              <a:t>9/13/2023</a:t>
             </a:fld>
             <a:endParaRPr lang="en-US"/>
           </a:p>
@@ -15874,7 +15874,7 @@
             <a:pPr lvl="1"/>
             <a:r>
               <a:rPr lang="en-US" dirty="0"/>
-              <a:t>V = {“S”} </a:t>
+              <a:t>V = {S} </a:t>
             </a:r>
           </a:p>
           <a:p>
@@ -15895,14 +15895,14 @@
             </a:br>
             <a:r>
               <a:rPr lang="en-US" dirty="0"/>
-              <a:t>P = {(S, “”), (S, “SS”), (S, “(S)”))</a:t>
+              <a:t>P = {(S, “”), (S, SS), (S, (S)))</a:t>
             </a:r>
           </a:p>
           <a:p>
             <a:pPr lvl="1"/>
             <a:r>
               <a:rPr lang="en-US" dirty="0"/>
-              <a:t>S = “S”</a:t>
+              <a:t>S = S</a:t>
             </a:r>
           </a:p>
           <a:p>
@@ -16124,7 +16124,7 @@
             <a:pPr lvl="1"/>
             <a:r>
               <a:rPr lang="en-US" sz="2800" dirty="0"/>
-              <a:t>V = {“S”} </a:t>
+              <a:t>V = {S} </a:t>
             </a:r>
           </a:p>
           <a:p>
@@ -16145,14 +16145,14 @@
             </a:br>
             <a:r>
               <a:rPr lang="en-US" sz="2800" dirty="0"/>
-              <a:t>P = {(S, “”), (S, “SS”), (S, “(S)”))</a:t>
+              <a:t>P = {(S, “”), (S, SS), (S, (S)))</a:t>
             </a:r>
           </a:p>
           <a:p>
             <a:pPr lvl="1"/>
             <a:r>
               <a:rPr lang="en-US" sz="2800" dirty="0"/>
-              <a:t>S = “S”</a:t>
+              <a:t>S = S</a:t>
             </a:r>
           </a:p>
         </p:txBody>
@@ -16285,7 +16285,7 @@
             <a:pPr lvl="1"/>
             <a:r>
               <a:rPr lang="en-US" sz="2800" dirty="0"/>
-              <a:t>V = {“S”} </a:t>
+              <a:t>V = {S} </a:t>
             </a:r>
           </a:p>
           <a:p>
@@ -16299,14 +16299,14 @@
             <a:pPr lvl="1"/>
             <a:r>
               <a:rPr lang="en-US" sz="2800" dirty="0"/>
-              <a:t>P = S → “”, S → “SS”, S → “(S)”</a:t>
+              <a:t>P = S → “”, S → SS, S → (S)</a:t>
             </a:r>
           </a:p>
           <a:p>
             <a:pPr lvl="1"/>
             <a:r>
               <a:rPr lang="en-US" sz="2800" dirty="0"/>
-              <a:t>S = “S”</a:t>
+              <a:t>S = S</a:t>
             </a:r>
           </a:p>
         </p:txBody>
@@ -16467,7 +16467,7 @@
             </a:br>
             <a:r>
               <a:rPr lang="en-US" sz="2800" dirty="0"/>
-              <a:t>S → “”, S → “SS”, S → “(S)”</a:t>
+              <a:t>S → “”, S → SS, S → (S)</a:t>
             </a:r>
           </a:p>
         </p:txBody>
@@ -16635,7 +16635,7 @@
             </a:br>
             <a:r>
               <a:rPr lang="en-US" sz="2800" dirty="0"/>
-              <a:t>S → “” | “SS” | “(S)”</a:t>
+              <a:t>S → “” | SS | (S)</a:t>
             </a:r>
           </a:p>
           <a:p>
@@ -16814,7 +16814,7 @@
             </a:br>
             <a:r>
               <a:rPr lang="en-US" sz="2800" dirty="0"/>
-              <a:t>S → “” | “SS” | “(S)”</a:t>
+              <a:t>S → “” | SS | (S)</a:t>
             </a:r>
           </a:p>
           <a:p>
@@ -17030,7 +17030,7 @@
         <p:spPr/>
         <p:txBody>
           <a:bodyPr>
-            <a:normAutofit lnSpcReduction="10000"/>
+            <a:normAutofit fontScale="92500"/>
           </a:bodyPr>
           <a:lstStyle/>
           <a:p>
@@ -17062,7 +17062,7 @@
             </a:r>
             <a:r>
               <a:rPr lang="en-US" dirty="0"/>
-              <a:t>                    → </a:t>
+              <a:t>                              → </a:t>
             </a:r>
             <a:r>
               <a:rPr lang="en-US" b="1" dirty="0"/>
@@ -17081,7 +17081,7 @@
             </a:r>
             <a:r>
               <a:rPr lang="en-US" dirty="0"/>
-              <a:t>op S           → </a:t>
+              <a:t>op S                     → </a:t>
             </a:r>
             <a:r>
               <a:rPr lang="en-US" b="1" dirty="0"/>
@@ -17104,11 +17104,11 @@
             </a:r>
             <a:r>
               <a:rPr lang="en-US" dirty="0"/>
-              <a:t>op S op S  → </a:t>
+              <a:t>op S op S             → </a:t>
             </a:r>
             <a:r>
               <a:rPr lang="en-US" b="1" dirty="0"/>
-              <a:t>N</a:t>
+              <a:t>num</a:t>
             </a:r>
             <a:r>
               <a:rPr lang="en-US" dirty="0"/>
@@ -17119,7 +17119,7 @@
             </a:br>
             <a:r>
               <a:rPr lang="en-US" dirty="0"/>
-              <a:t>N op </a:t>
+              <a:t>num op </a:t>
             </a:r>
             <a:r>
               <a:rPr lang="en-US" b="1" dirty="0"/>
@@ -17127,11 +17127,11 @@
             </a:r>
             <a:r>
               <a:rPr lang="en-US" dirty="0"/>
-              <a:t> op S  → N op </a:t>
+              <a:t> op S       → num op </a:t>
             </a:r>
             <a:r>
               <a:rPr lang="en-US" b="1" dirty="0"/>
-              <a:t>N</a:t>
+              <a:t>num</a:t>
             </a:r>
             <a:r>
               <a:rPr lang="en-US" dirty="0"/>
@@ -17142,7 +17142,7 @@
             </a:br>
             <a:r>
               <a:rPr lang="en-US" dirty="0"/>
-              <a:t>N op N op </a:t>
+              <a:t>num op num op </a:t>
             </a:r>
             <a:r>
               <a:rPr lang="en-US" b="1" dirty="0"/>
@@ -17150,18 +17150,18 @@
             </a:r>
             <a:r>
               <a:rPr lang="en-US" dirty="0"/>
-              <a:t> → N op N op </a:t>
+              <a:t> → num op num op </a:t>
             </a:r>
             <a:r>
               <a:rPr lang="en-US" b="1" dirty="0"/>
-              <a:t>I</a:t>
+              <a:t>var</a:t>
             </a:r>
             <a:br>
               <a:rPr lang="en-US" b="1" dirty="0"/>
             </a:br>
             <a:r>
               <a:rPr lang="en-US" b="1" dirty="0"/>
-              <a:t>N op N op I </a:t>
+              <a:t>num op num op var </a:t>
             </a:r>
             <a:r>
               <a:rPr lang="en-US" dirty="0"/>
@@ -17274,7 +17274,7 @@
             <a:pPr lvl="1"/>
             <a:r>
               <a:rPr lang="en-US" dirty="0"/>
-              <a:t>{well-matched parentheses} = L(S → “” | “()” | “SS”)</a:t>
+              <a:t>{well-matched parentheses} = L(S → “” | (S) | SS)</a:t>
             </a:r>
           </a:p>
           <a:p>
@@ -20792,7 +20792,7 @@
             </a:r>
             <a:r>
               <a:rPr lang="en-US" sz="2800" dirty="0"/>
-              <a:t> op S       → N op </a:t>
+              <a:t> op S       → num op </a:t>
             </a:r>
             <a:r>
               <a:rPr lang="en-US" sz="2800" b="1" dirty="0"/>
@@ -21661,7 +21661,7 @@
             </a:r>
             <a:r>
               <a:rPr lang="en-US" sz="2800" b="1" dirty="0"/>
-              <a:t>id</a:t>
+              <a:t>var</a:t>
             </a:r>
             <a:br>
               <a:rPr lang="en-US" sz="2800" b="1" dirty="0"/>
@@ -22593,7 +22593,7 @@
             </a:r>
             <a:r>
               <a:rPr lang="en-US" sz="2800" b="1" dirty="0"/>
-              <a:t>id</a:t>
+              <a:t>var</a:t>
             </a:r>
             <a:br>
               <a:rPr lang="en-US" sz="2800" b="1" dirty="0"/>
@@ -22931,8 +22931,8 @@
         </p:nvSpPr>
         <p:spPr>
           <a:xfrm>
-            <a:off x="10820286" y="4030575"/>
-            <a:ext cx="524624" cy="523220"/>
+            <a:off x="10511471" y="4030575"/>
+            <a:ext cx="963295" cy="523220"/>
           </a:xfrm>
           <a:prstGeom prst="rect">
             <a:avLst/>
@@ -22947,7 +22947,7 @@
           <a:p>
             <a:r>
               <a:rPr lang="en-US" sz="2800" dirty="0"/>
-              <a:t>id</a:t>
+              <a:t>var</a:t>
             </a:r>
           </a:p>
         </p:txBody>
@@ -23161,9 +23161,9 @@
           <p:nvPr/>
         </p:nvCxnSpPr>
         <p:spPr>
-          <a:xfrm flipV="1">
-            <a:off x="11037411" y="4553795"/>
-            <a:ext cx="45187" cy="973880"/>
+          <a:xfrm flipH="1" flipV="1">
+            <a:off x="10993119" y="4553795"/>
+            <a:ext cx="44292" cy="973880"/>
           </a:xfrm>
           <a:prstGeom prst="line">
             <a:avLst/>

--- a/LectureSlides/03Parsing.pptx
+++ b/LectureSlides/03Parsing.pptx
@@ -404,7 +404,7 @@
           <a:p>
             <a:fld id="{DF0DA02A-3D36-4521-B995-F6A931B35345}" type="datetimeFigureOut">
               <a:rPr lang="en-US" smtClean="0"/>
-              <a:t>9/13/2023</a:t>
+              <a:t>10/14/2024</a:t>
             </a:fld>
             <a:endParaRPr lang="en-US"/>
           </a:p>
@@ -612,7 +612,7 @@
           <a:p>
             <a:fld id="{DF0DA02A-3D36-4521-B995-F6A931B35345}" type="datetimeFigureOut">
               <a:rPr lang="en-US" smtClean="0"/>
-              <a:t>9/13/2023</a:t>
+              <a:t>10/14/2024</a:t>
             </a:fld>
             <a:endParaRPr lang="en-US"/>
           </a:p>
@@ -868,7 +868,7 @@
           <a:p>
             <a:fld id="{DF0DA02A-3D36-4521-B995-F6A931B35345}" type="datetimeFigureOut">
               <a:rPr lang="en-US" smtClean="0"/>
-              <a:t>9/13/2023</a:t>
+              <a:t>10/14/2024</a:t>
             </a:fld>
             <a:endParaRPr lang="en-US"/>
           </a:p>
@@ -1053,7 +1053,7 @@
           <a:p>
             <a:fld id="{DF0DA02A-3D36-4521-B995-F6A931B35345}" type="datetimeFigureOut">
               <a:rPr lang="en-US" smtClean="0"/>
-              <a:t>9/13/2023</a:t>
+              <a:t>10/14/2024</a:t>
             </a:fld>
             <a:endParaRPr lang="en-US"/>
           </a:p>
@@ -1396,7 +1396,7 @@
           <a:p>
             <a:fld id="{DF0DA02A-3D36-4521-B995-F6A931B35345}" type="datetimeFigureOut">
               <a:rPr lang="en-US" smtClean="0"/>
-              <a:t>9/13/2023</a:t>
+              <a:t>10/14/2024</a:t>
             </a:fld>
             <a:endParaRPr lang="en-US"/>
           </a:p>
@@ -1701,7 +1701,7 @@
           <a:p>
             <a:fld id="{DF0DA02A-3D36-4521-B995-F6A931B35345}" type="datetimeFigureOut">
               <a:rPr lang="en-US" smtClean="0"/>
-              <a:t>9/13/2023</a:t>
+              <a:t>10/14/2024</a:t>
             </a:fld>
             <a:endParaRPr lang="en-US"/>
           </a:p>
@@ -2110,7 +2110,7 @@
           <a:p>
             <a:fld id="{DF0DA02A-3D36-4521-B995-F6A931B35345}" type="datetimeFigureOut">
               <a:rPr lang="en-US" smtClean="0"/>
-              <a:t>9/13/2023</a:t>
+              <a:t>10/14/2024</a:t>
             </a:fld>
             <a:endParaRPr lang="en-US"/>
           </a:p>
@@ -2228,7 +2228,7 @@
           <a:p>
             <a:fld id="{DF0DA02A-3D36-4521-B995-F6A931B35345}" type="datetimeFigureOut">
               <a:rPr lang="en-US" smtClean="0"/>
-              <a:t>9/13/2023</a:t>
+              <a:t>10/14/2024</a:t>
             </a:fld>
             <a:endParaRPr lang="en-US"/>
           </a:p>
@@ -2399,7 +2399,7 @@
           <a:p>
             <a:fld id="{DF0DA02A-3D36-4521-B995-F6A931B35345}" type="datetimeFigureOut">
               <a:rPr lang="en-US" smtClean="0"/>
-              <a:t>9/13/2023</a:t>
+              <a:t>10/14/2024</a:t>
             </a:fld>
             <a:endParaRPr lang="en-US"/>
           </a:p>
@@ -2768,7 +2768,7 @@
           <a:p>
             <a:fld id="{DF0DA02A-3D36-4521-B995-F6A931B35345}" type="datetimeFigureOut">
               <a:rPr lang="en-US" smtClean="0"/>
-              <a:t>9/13/2023</a:t>
+              <a:t>10/14/2024</a:t>
             </a:fld>
             <a:endParaRPr lang="en-US"/>
           </a:p>
@@ -3145,7 +3145,7 @@
           <a:p>
             <a:fld id="{DF0DA02A-3D36-4521-B995-F6A931B35345}" type="datetimeFigureOut">
               <a:rPr lang="en-US" smtClean="0"/>
-              <a:t>9/13/2023</a:t>
+              <a:t>10/14/2024</a:t>
             </a:fld>
             <a:endParaRPr lang="en-US"/>
           </a:p>
@@ -3432,7 +3432,7 @@
           <a:p>
             <a:fld id="{DF0DA02A-3D36-4521-B995-F6A931B35345}" type="datetimeFigureOut">
               <a:rPr lang="en-US" smtClean="0"/>
-              <a:t>9/13/2023</a:t>
+              <a:t>10/14/2024</a:t>
             </a:fld>
             <a:endParaRPr lang="en-US"/>
           </a:p>
@@ -4007,15 +4007,23 @@
           <a:p>
             <a:r>
               <a:rPr lang="en-US" dirty="0"/>
-              <a:t>Slides  ©2023 Rose </a:t>
+              <a:t>Slides  </a:t>
+            </a:r>
+            <a:r>
+              <a:rPr lang="en-US"/>
+              <a:t>©2024 </a:t>
+            </a:r>
+            <a:r>
+              <a:rPr lang="en-US" dirty="0"/>
+              <a:t>Rose </a:t>
             </a:r>
             <a:r>
               <a:rPr lang="en-US" dirty="0" err="1"/>
-              <a:t>bohrer</a:t>
-            </a:r>
-            <a:r>
-              <a:rPr lang="en-US" dirty="0"/>
-              <a:t>, used for cs 4536/536 at </a:t>
+              <a:t>bohrer,</a:t>
+            </a:r>
+            <a:r>
+              <a:rPr lang="en-US" dirty="0"/>
+              <a:t> used for cs 4536/536 at </a:t>
             </a:r>
             <a:r>
               <a:rPr lang="en-US" dirty="0" err="1"/>
